--- a/Turkcell_bootcamp_ArdaKozan.pptx
+++ b/Turkcell_bootcamp_ArdaKozan.pptx
@@ -84,6 +84,11 @@
     <p:sldId id="333" r:id="rId78"/>
     <p:sldId id="334" r:id="rId79"/>
     <p:sldId id="335" r:id="rId80"/>
+    <p:sldId id="336" r:id="rId81"/>
+    <p:sldId id="338" r:id="rId82"/>
+    <p:sldId id="337" r:id="rId83"/>
+    <p:sldId id="339" r:id="rId84"/>
+    <p:sldId id="340" r:id="rId85"/>
   </p:sldIdLst>
   <p:sldSz cx="12192000" cy="6858000"/>
   <p:notesSz cx="6858000" cy="9144000"/>
@@ -426,6 +431,22 @@
             <p14:sldId id="335"/>
           </p14:sldIdLst>
         </p14:section>
+        <p14:section name="7 Haziran 2022" id="{611FD9DE-867A-4603-81ED-5FE9D3F2BC56}">
+          <p14:sldIdLst/>
+        </p14:section>
+        <p14:section name="1. Soru (FIFO - LIFO farkı)" id="{E92A072A-618A-49E7-976B-919470497E58}">
+          <p14:sldIdLst>
+            <p14:sldId id="336"/>
+          </p14:sldIdLst>
+        </p14:section>
+        <p14:section name="2. Soru (apply - call - bind)" id="{081C78B9-3212-429B-88FC-B0835B2F4E12}">
+          <p14:sldIdLst>
+            <p14:sldId id="338"/>
+            <p14:sldId id="337"/>
+            <p14:sldId id="339"/>
+            <p14:sldId id="340"/>
+          </p14:sldIdLst>
+        </p14:section>
       </p14:sectionLst>
     </p:ext>
     <p:ext uri="{EFAFB233-063F-42B5-8137-9DF3F51BA10A}">
@@ -598,7 +619,7 @@
           <a:p>
             <a:fld id="{1160EA64-D806-43AC-9DF2-F8C432F32B4C}" type="datetimeFigureOut">
               <a:rPr lang="en-US" dirty="0"/>
-              <a:t>6/6/2022</a:t>
+              <a:t>6/8/2022</a:t>
             </a:fld>
             <a:endParaRPr lang="en-US" dirty="0"/>
           </a:p>
@@ -764,7 +785,7 @@
           <a:p>
             <a:fld id="{E9F9C37B-1D36-470B-8223-D6C91242EC14}" type="datetimeFigureOut">
               <a:rPr lang="en-US" dirty="0"/>
-              <a:t>6/6/2022</a:t>
+              <a:t>6/8/2022</a:t>
             </a:fld>
             <a:endParaRPr lang="en-US" dirty="0"/>
           </a:p>
@@ -939,7 +960,7 @@
           <a:p>
             <a:fld id="{67C6F52A-A82B-47A2-A83A-8C4C91F2D59F}" type="datetimeFigureOut">
               <a:rPr lang="en-US" dirty="0"/>
-              <a:t>6/6/2022</a:t>
+              <a:t>6/8/2022</a:t>
             </a:fld>
             <a:endParaRPr lang="en-US" dirty="0"/>
           </a:p>
@@ -1104,7 +1125,7 @@
           <a:p>
             <a:fld id="{F070A7B3-6521-4DCA-87E5-044747A908C1}" type="datetimeFigureOut">
               <a:rPr lang="en-US" dirty="0"/>
-              <a:t>6/6/2022</a:t>
+              <a:t>6/8/2022</a:t>
             </a:fld>
             <a:endParaRPr lang="en-US" dirty="0"/>
           </a:p>
@@ -1368,7 +1389,7 @@
           <a:p>
             <a:fld id="{1160EA64-D806-43AC-9DF2-F8C432F32B4C}" type="datetimeFigureOut">
               <a:rPr lang="en-US" dirty="0"/>
-              <a:t>6/6/2022</a:t>
+              <a:t>6/8/2022</a:t>
             </a:fld>
             <a:endParaRPr lang="en-US" dirty="0"/>
           </a:p>
@@ -1596,7 +1617,7 @@
           <a:p>
             <a:fld id="{AB134690-1557-4C89-A502-4959FE7FAD70}" type="datetimeFigureOut">
               <a:rPr lang="en-US" dirty="0"/>
-              <a:t>6/6/2022</a:t>
+              <a:t>6/8/2022</a:t>
             </a:fld>
             <a:endParaRPr lang="en-US" dirty="0"/>
           </a:p>
@@ -1950,7 +1971,7 @@
           <a:p>
             <a:fld id="{4F7D4976-E339-4826-83B7-FBD03F55ECF8}" type="datetimeFigureOut">
               <a:rPr lang="en-US" dirty="0"/>
-              <a:t>6/6/2022</a:t>
+              <a:t>6/8/2022</a:t>
             </a:fld>
             <a:endParaRPr lang="en-US" dirty="0"/>
           </a:p>
@@ -2086,7 +2107,7 @@
           <a:p>
             <a:fld id="{E1037C31-9E7A-4F99-8774-A0E530DE1A42}" type="datetimeFigureOut">
               <a:rPr lang="en-US" dirty="0"/>
-              <a:t>6/6/2022</a:t>
+              <a:t>6/8/2022</a:t>
             </a:fld>
             <a:endParaRPr lang="en-US" dirty="0"/>
           </a:p>
@@ -2176,7 +2197,7 @@
           <a:p>
             <a:fld id="{C278504F-A551-4DE0-9316-4DCD1D8CC752}" type="datetimeFigureOut">
               <a:rPr lang="en-US" dirty="0"/>
-              <a:t>6/6/2022</a:t>
+              <a:t>6/8/2022</a:t>
             </a:fld>
             <a:endParaRPr lang="en-US" dirty="0"/>
           </a:p>
@@ -2528,7 +2549,7 @@
           <a:p>
             <a:fld id="{D1BE4249-C0D0-4B06-8692-E8BB871AF643}" type="datetimeFigureOut">
               <a:rPr lang="en-US" dirty="0"/>
-              <a:t>6/6/2022</a:t>
+              <a:t>6/8/2022</a:t>
             </a:fld>
             <a:endParaRPr lang="en-US" dirty="0"/>
           </a:p>
@@ -2880,7 +2901,7 @@
           <a:p>
             <a:fld id="{042B0DB6-F5C7-45FB-8CF3-31B45F9C2DAC}" type="datetimeFigureOut">
               <a:rPr lang="en-US" dirty="0"/>
-              <a:t>6/6/2022</a:t>
+              <a:t>6/8/2022</a:t>
             </a:fld>
             <a:endParaRPr lang="en-US" dirty="0"/>
           </a:p>
@@ -3116,7 +3137,7 @@
           <a:p>
             <a:fld id="{1160EA64-D806-43AC-9DF2-F8C432F32B4C}" type="datetimeFigureOut">
               <a:rPr lang="en-US" dirty="0"/>
-              <a:t>6/6/2022</a:t>
+              <a:t>6/8/2022</a:t>
             </a:fld>
             <a:endParaRPr lang="en-US" dirty="0"/>
           </a:p>
@@ -14872,6 +14893,794 @@
 </p:sld>
 </file>
 
+<file path=ppt/slides/slide80.xml><?xml version="1.0" encoding="utf-8"?>
+<p:sld xmlns:a="http://schemas.openxmlformats.org/drawingml/2006/main" xmlns:r="http://schemas.openxmlformats.org/officeDocument/2006/relationships" xmlns:p="http://schemas.openxmlformats.org/presentationml/2006/main">
+  <p:cSld>
+    <p:spTree>
+      <p:nvGrpSpPr>
+        <p:cNvPr id="1" name=""/>
+        <p:cNvGrpSpPr/>
+        <p:nvPr/>
+      </p:nvGrpSpPr>
+      <p:grpSpPr>
+        <a:xfrm>
+          <a:off x="0" y="0"/>
+          <a:ext cx="0" cy="0"/>
+          <a:chOff x="0" y="0"/>
+          <a:chExt cx="0" cy="0"/>
+        </a:xfrm>
+      </p:grpSpPr>
+      <p:sp>
+        <p:nvSpPr>
+          <p:cNvPr id="2" name="Title 1">
+            <a:extLst>
+              <a:ext uri="{FF2B5EF4-FFF2-40B4-BE49-F238E27FC236}">
+                <a16:creationId xmlns:a16="http://schemas.microsoft.com/office/drawing/2014/main" id="{7B9E8B5A-640D-46F3-9208-4D65BF2E67CA}"/>
+              </a:ext>
+            </a:extLst>
+          </p:cNvPr>
+          <p:cNvSpPr>
+            <a:spLocks noGrp="1"/>
+          </p:cNvSpPr>
+          <p:nvPr>
+            <p:ph type="title"/>
+          </p:nvPr>
+        </p:nvSpPr>
+        <p:spPr/>
+        <p:txBody>
+          <a:bodyPr/>
+          <a:lstStyle/>
+          <a:p>
+            <a:r>
+              <a:rPr lang="tr-TR" dirty="0" err="1"/>
+              <a:t>Fırst</a:t>
+            </a:r>
+            <a:r>
+              <a:rPr lang="tr-TR" dirty="0"/>
+              <a:t> </a:t>
+            </a:r>
+            <a:r>
+              <a:rPr lang="tr-TR" dirty="0" err="1"/>
+              <a:t>ın</a:t>
+            </a:r>
+            <a:r>
+              <a:rPr lang="tr-TR" dirty="0"/>
+              <a:t> </a:t>
+            </a:r>
+            <a:r>
+              <a:rPr lang="tr-TR" dirty="0" err="1"/>
+              <a:t>fırst</a:t>
+            </a:r>
+            <a:r>
+              <a:rPr lang="tr-TR" dirty="0"/>
+              <a:t> </a:t>
+            </a:r>
+            <a:r>
+              <a:rPr lang="tr-TR" dirty="0" err="1"/>
+              <a:t>out</a:t>
+            </a:r>
+            <a:r>
+              <a:rPr lang="tr-TR" dirty="0"/>
+              <a:t> (</a:t>
+            </a:r>
+            <a:r>
+              <a:rPr lang="tr-TR" dirty="0" err="1"/>
+              <a:t>Fıfo</a:t>
+            </a:r>
+            <a:r>
+              <a:rPr lang="tr-TR" dirty="0"/>
+              <a:t>)</a:t>
+            </a:r>
+            <a:br>
+              <a:rPr lang="tr-TR" dirty="0"/>
+            </a:br>
+            <a:r>
+              <a:rPr lang="tr-TR" dirty="0" err="1"/>
+              <a:t>last</a:t>
+            </a:r>
+            <a:r>
+              <a:rPr lang="tr-TR" dirty="0"/>
+              <a:t> </a:t>
+            </a:r>
+            <a:r>
+              <a:rPr lang="tr-TR" dirty="0" err="1"/>
+              <a:t>ın</a:t>
+            </a:r>
+            <a:r>
+              <a:rPr lang="tr-TR" dirty="0"/>
+              <a:t> </a:t>
+            </a:r>
+            <a:r>
+              <a:rPr lang="tr-TR" dirty="0" err="1"/>
+              <a:t>fırst</a:t>
+            </a:r>
+            <a:r>
+              <a:rPr lang="tr-TR" dirty="0"/>
+              <a:t> </a:t>
+            </a:r>
+            <a:r>
+              <a:rPr lang="tr-TR" dirty="0" err="1"/>
+              <a:t>out</a:t>
+            </a:r>
+            <a:r>
+              <a:rPr lang="tr-TR" dirty="0"/>
+              <a:t> (</a:t>
+            </a:r>
+            <a:r>
+              <a:rPr lang="tr-TR" dirty="0" err="1"/>
+              <a:t>lıfo</a:t>
+            </a:r>
+            <a:r>
+              <a:rPr lang="tr-TR" dirty="0"/>
+              <a:t>)</a:t>
+            </a:r>
+          </a:p>
+        </p:txBody>
+      </p:sp>
+      <p:sp>
+        <p:nvSpPr>
+          <p:cNvPr id="3" name="Content Placeholder 2">
+            <a:extLst>
+              <a:ext uri="{FF2B5EF4-FFF2-40B4-BE49-F238E27FC236}">
+                <a16:creationId xmlns:a16="http://schemas.microsoft.com/office/drawing/2014/main" id="{59458B71-4886-4A43-96B8-868CDE4D30E8}"/>
+              </a:ext>
+            </a:extLst>
+          </p:cNvPr>
+          <p:cNvSpPr>
+            <a:spLocks noGrp="1"/>
+          </p:cNvSpPr>
+          <p:nvPr>
+            <p:ph idx="1"/>
+          </p:nvPr>
+        </p:nvSpPr>
+        <p:spPr/>
+        <p:txBody>
+          <a:bodyPr/>
+          <a:lstStyle/>
+          <a:p>
+            <a:r>
+              <a:rPr lang="tr-TR" dirty="0"/>
+              <a:t>First in </a:t>
+            </a:r>
+            <a:r>
+              <a:rPr lang="tr-TR" dirty="0" err="1"/>
+              <a:t>first</a:t>
+            </a:r>
+            <a:r>
+              <a:rPr lang="tr-TR" dirty="0"/>
+              <a:t> </a:t>
+            </a:r>
+            <a:r>
+              <a:rPr lang="tr-TR" dirty="0" err="1"/>
+              <a:t>out</a:t>
+            </a:r>
+            <a:r>
+              <a:rPr lang="tr-TR" dirty="0"/>
+              <a:t> (ilk giren ilk çıkar) mantığı </a:t>
+            </a:r>
+            <a:r>
+              <a:rPr lang="tr-TR" dirty="0" err="1"/>
+              <a:t>queue</a:t>
+            </a:r>
+            <a:r>
+              <a:rPr lang="tr-TR" dirty="0"/>
+              <a:t> (kuyruk) veri yapısında kullanılır. Kuyruğa birkaç tane veri eklenir ve sonrasında kuyruktan veri çıkarılırsa, çıkacak olan veri ilk eklenen veridir.</a:t>
+            </a:r>
+          </a:p>
+          <a:p>
+            <a:r>
+              <a:rPr lang="tr-TR" dirty="0" err="1"/>
+              <a:t>Last</a:t>
+            </a:r>
+            <a:r>
+              <a:rPr lang="tr-TR" dirty="0"/>
+              <a:t> in </a:t>
+            </a:r>
+            <a:r>
+              <a:rPr lang="tr-TR" dirty="0" err="1"/>
+              <a:t>first</a:t>
+            </a:r>
+            <a:r>
+              <a:rPr lang="tr-TR" dirty="0"/>
+              <a:t> </a:t>
+            </a:r>
+            <a:r>
+              <a:rPr lang="tr-TR" dirty="0" err="1"/>
+              <a:t>out</a:t>
+            </a:r>
+            <a:r>
+              <a:rPr lang="tr-TR" dirty="0"/>
+              <a:t> (son giren ilk çıkar) mantığı </a:t>
+            </a:r>
+            <a:r>
+              <a:rPr lang="tr-TR" dirty="0" err="1"/>
+              <a:t>stack</a:t>
+            </a:r>
+            <a:r>
+              <a:rPr lang="tr-TR" dirty="0"/>
+              <a:t> (yığın) veri yapısında kullanılır. Yığına birkaç tane veri eklenip sonrasında ise bu yığından veri çıkarılırsa, çıkacak olan veri son eklenen veri olacaktır.</a:t>
+            </a:r>
+          </a:p>
+        </p:txBody>
+      </p:sp>
+    </p:spTree>
+    <p:extLst>
+      <p:ext uri="{BB962C8B-B14F-4D97-AF65-F5344CB8AC3E}">
+        <p14:creationId xmlns:p14="http://schemas.microsoft.com/office/powerpoint/2010/main" val="1822845670"/>
+      </p:ext>
+    </p:extLst>
+  </p:cSld>
+  <p:clrMapOvr>
+    <a:masterClrMapping/>
+  </p:clrMapOvr>
+</p:sld>
+</file>
+
+<file path=ppt/slides/slide81.xml><?xml version="1.0" encoding="utf-8"?>
+<p:sld xmlns:a="http://schemas.openxmlformats.org/drawingml/2006/main" xmlns:r="http://schemas.openxmlformats.org/officeDocument/2006/relationships" xmlns:p="http://schemas.openxmlformats.org/presentationml/2006/main">
+  <p:cSld>
+    <p:spTree>
+      <p:nvGrpSpPr>
+        <p:cNvPr id="1" name=""/>
+        <p:cNvGrpSpPr/>
+        <p:nvPr/>
+      </p:nvGrpSpPr>
+      <p:grpSpPr>
+        <a:xfrm>
+          <a:off x="0" y="0"/>
+          <a:ext cx="0" cy="0"/>
+          <a:chOff x="0" y="0"/>
+          <a:chExt cx="0" cy="0"/>
+        </a:xfrm>
+      </p:grpSpPr>
+      <p:sp>
+        <p:nvSpPr>
+          <p:cNvPr id="2" name="Title 1">
+            <a:extLst>
+              <a:ext uri="{FF2B5EF4-FFF2-40B4-BE49-F238E27FC236}">
+                <a16:creationId xmlns:a16="http://schemas.microsoft.com/office/drawing/2014/main" id="{622E50BB-1011-4954-8242-645DD8F8485E}"/>
+              </a:ext>
+            </a:extLst>
+          </p:cNvPr>
+          <p:cNvSpPr>
+            <a:spLocks noGrp="1"/>
+          </p:cNvSpPr>
+          <p:nvPr>
+            <p:ph type="title"/>
+          </p:nvPr>
+        </p:nvSpPr>
+        <p:spPr/>
+        <p:txBody>
+          <a:bodyPr/>
+          <a:lstStyle/>
+          <a:p>
+            <a:r>
+              <a:rPr lang="tr-TR" dirty="0"/>
+              <a:t>Call(), </a:t>
+            </a:r>
+            <a:r>
+              <a:rPr lang="tr-TR" dirty="0" err="1"/>
+              <a:t>apply</a:t>
+            </a:r>
+            <a:r>
+              <a:rPr lang="tr-TR" dirty="0"/>
+              <a:t>()</a:t>
+            </a:r>
+          </a:p>
+        </p:txBody>
+      </p:sp>
+      <p:sp>
+        <p:nvSpPr>
+          <p:cNvPr id="3" name="Content Placeholder 2">
+            <a:extLst>
+              <a:ext uri="{FF2B5EF4-FFF2-40B4-BE49-F238E27FC236}">
+                <a16:creationId xmlns:a16="http://schemas.microsoft.com/office/drawing/2014/main" id="{F828AB82-D28F-458D-B921-51998F9AEBD0}"/>
+              </a:ext>
+            </a:extLst>
+          </p:cNvPr>
+          <p:cNvSpPr>
+            <a:spLocks noGrp="1"/>
+          </p:cNvSpPr>
+          <p:nvPr>
+            <p:ph idx="1"/>
+          </p:nvPr>
+        </p:nvSpPr>
+        <p:spPr/>
+        <p:txBody>
+          <a:bodyPr/>
+          <a:lstStyle/>
+          <a:p>
+            <a:r>
+              <a:rPr lang="tr-TR" dirty="0" err="1"/>
+              <a:t>call</a:t>
+            </a:r>
+            <a:r>
+              <a:rPr lang="tr-TR" dirty="0"/>
+              <a:t>() ve </a:t>
+            </a:r>
+            <a:r>
+              <a:rPr lang="tr-TR" dirty="0" err="1"/>
+              <a:t>apply</a:t>
+            </a:r>
+            <a:r>
+              <a:rPr lang="tr-TR" dirty="0"/>
+              <a:t>() metotları aslında aynı işlevi yaparlar. Her ikisi de obje içerisine parametre olarak obje göndermek için kullanılmaktadır. Yani bir obje içerisinde bir fonksiyon var ve bu </a:t>
+            </a:r>
+            <a:r>
+              <a:rPr lang="tr-TR" dirty="0" err="1"/>
+              <a:t>fonskiyon</a:t>
+            </a:r>
+            <a:r>
+              <a:rPr lang="tr-TR" dirty="0"/>
+              <a:t> içerisinde objenin bir değişkeni ile işlem yapılacaksa, </a:t>
+            </a:r>
+            <a:r>
+              <a:rPr lang="tr-TR" dirty="0" err="1"/>
+              <a:t>fonskiyon</a:t>
+            </a:r>
+            <a:r>
+              <a:rPr lang="tr-TR" dirty="0"/>
+              <a:t> içerisindeki obje değişkeni hangi objeye göre göre işlem yapmasını bilmesini için fonksiyona objeyi de parametre olarak göndermemiz gerekmektedir. Bir sonraki sayfada örnek mevcuttur.</a:t>
+            </a:r>
+          </a:p>
+          <a:p>
+            <a:r>
+              <a:rPr lang="tr-TR" dirty="0" err="1"/>
+              <a:t>call</a:t>
+            </a:r>
+            <a:r>
+              <a:rPr lang="tr-TR" dirty="0"/>
+              <a:t>() ve </a:t>
+            </a:r>
+            <a:r>
+              <a:rPr lang="tr-TR" dirty="0" err="1"/>
+              <a:t>apply</a:t>
+            </a:r>
+            <a:r>
+              <a:rPr lang="tr-TR" dirty="0"/>
+              <a:t>() farkı ise, </a:t>
+            </a:r>
+            <a:r>
+              <a:rPr lang="tr-TR" dirty="0" err="1"/>
+              <a:t>call</a:t>
+            </a:r>
+            <a:r>
+              <a:rPr lang="tr-TR" dirty="0"/>
+              <a:t>() metodunda obje harici metotlar ayrı birer parametre olarak gönderilirken, </a:t>
+            </a:r>
+            <a:r>
+              <a:rPr lang="tr-TR" dirty="0" err="1"/>
+              <a:t>apply</a:t>
+            </a:r>
+            <a:r>
+              <a:rPr lang="tr-TR" dirty="0"/>
+              <a:t>() metodunda bir dizi şeklinde tek parametre olarak gönderilmektedir.</a:t>
+            </a:r>
+          </a:p>
+        </p:txBody>
+      </p:sp>
+    </p:spTree>
+    <p:extLst>
+      <p:ext uri="{BB962C8B-B14F-4D97-AF65-F5344CB8AC3E}">
+        <p14:creationId xmlns:p14="http://schemas.microsoft.com/office/powerpoint/2010/main" val="1374619186"/>
+      </p:ext>
+    </p:extLst>
+  </p:cSld>
+  <p:clrMapOvr>
+    <a:masterClrMapping/>
+  </p:clrMapOvr>
+</p:sld>
+</file>
+
+<file path=ppt/slides/slide82.xml><?xml version="1.0" encoding="utf-8"?>
+<p:sld xmlns:a="http://schemas.openxmlformats.org/drawingml/2006/main" xmlns:r="http://schemas.openxmlformats.org/officeDocument/2006/relationships" xmlns:p="http://schemas.openxmlformats.org/presentationml/2006/main">
+  <p:cSld>
+    <p:spTree>
+      <p:nvGrpSpPr>
+        <p:cNvPr id="1" name=""/>
+        <p:cNvGrpSpPr/>
+        <p:nvPr/>
+      </p:nvGrpSpPr>
+      <p:grpSpPr>
+        <a:xfrm>
+          <a:off x="0" y="0"/>
+          <a:ext cx="0" cy="0"/>
+          <a:chOff x="0" y="0"/>
+          <a:chExt cx="0" cy="0"/>
+        </a:xfrm>
+      </p:grpSpPr>
+      <p:sp>
+        <p:nvSpPr>
+          <p:cNvPr id="2" name="Title 1">
+            <a:extLst>
+              <a:ext uri="{FF2B5EF4-FFF2-40B4-BE49-F238E27FC236}">
+                <a16:creationId xmlns:a16="http://schemas.microsoft.com/office/drawing/2014/main" id="{31D3B7BC-60E9-4C74-A0E4-84F824A4634A}"/>
+              </a:ext>
+            </a:extLst>
+          </p:cNvPr>
+          <p:cNvSpPr>
+            <a:spLocks noGrp="1"/>
+          </p:cNvSpPr>
+          <p:nvPr>
+            <p:ph type="title"/>
+          </p:nvPr>
+        </p:nvSpPr>
+        <p:spPr>
+          <a:xfrm>
+            <a:off x="2231136" y="355089"/>
+            <a:ext cx="7729728" cy="1188720"/>
+          </a:xfrm>
+        </p:spPr>
+        <p:txBody>
+          <a:bodyPr/>
+          <a:lstStyle/>
+          <a:p>
+            <a:r>
+              <a:rPr lang="tr-TR" dirty="0"/>
+              <a:t>Call(), </a:t>
+            </a:r>
+            <a:r>
+              <a:rPr lang="tr-TR" dirty="0" err="1"/>
+              <a:t>apply</a:t>
+            </a:r>
+            <a:r>
+              <a:rPr lang="tr-TR" dirty="0"/>
+              <a:t>()</a:t>
+            </a:r>
+          </a:p>
+        </p:txBody>
+      </p:sp>
+      <p:sp>
+        <p:nvSpPr>
+          <p:cNvPr id="3" name="Content Placeholder 2">
+            <a:extLst>
+              <a:ext uri="{FF2B5EF4-FFF2-40B4-BE49-F238E27FC236}">
+                <a16:creationId xmlns:a16="http://schemas.microsoft.com/office/drawing/2014/main" id="{0C7D4BD9-71EE-48F0-9620-2915856143B2}"/>
+              </a:ext>
+            </a:extLst>
+          </p:cNvPr>
+          <p:cNvSpPr>
+            <a:spLocks noGrp="1"/>
+          </p:cNvSpPr>
+          <p:nvPr>
+            <p:ph idx="1"/>
+          </p:nvPr>
+        </p:nvSpPr>
+        <p:spPr/>
+        <p:txBody>
+          <a:bodyPr/>
+          <a:lstStyle/>
+          <a:p>
+            <a:endParaRPr lang="tr-TR"/>
+          </a:p>
+        </p:txBody>
+      </p:sp>
+      <p:pic>
+        <p:nvPicPr>
+          <p:cNvPr id="4" name="Picture 3">
+            <a:extLst>
+              <a:ext uri="{FF2B5EF4-FFF2-40B4-BE49-F238E27FC236}">
+                <a16:creationId xmlns:a16="http://schemas.microsoft.com/office/drawing/2014/main" id="{9CD812F5-F4C4-4D70-95FD-3FE9162F766B}"/>
+              </a:ext>
+            </a:extLst>
+          </p:cNvPr>
+          <p:cNvPicPr>
+            <a:picLocks noChangeAspect="1"/>
+          </p:cNvPicPr>
+          <p:nvPr/>
+        </p:nvPicPr>
+        <p:blipFill>
+          <a:blip r:embed="rId2"/>
+          <a:stretch>
+            <a:fillRect/>
+          </a:stretch>
+        </p:blipFill>
+        <p:spPr>
+          <a:xfrm>
+            <a:off x="1206843" y="1571338"/>
+            <a:ext cx="9778314" cy="5235393"/>
+          </a:xfrm>
+          <a:prstGeom prst="rect">
+            <a:avLst/>
+          </a:prstGeom>
+        </p:spPr>
+      </p:pic>
+    </p:spTree>
+    <p:extLst>
+      <p:ext uri="{BB962C8B-B14F-4D97-AF65-F5344CB8AC3E}">
+        <p14:creationId xmlns:p14="http://schemas.microsoft.com/office/powerpoint/2010/main" val="516616684"/>
+      </p:ext>
+    </p:extLst>
+  </p:cSld>
+  <p:clrMapOvr>
+    <a:masterClrMapping/>
+  </p:clrMapOvr>
+</p:sld>
+</file>
+
+<file path=ppt/slides/slide83.xml><?xml version="1.0" encoding="utf-8"?>
+<p:sld xmlns:a="http://schemas.openxmlformats.org/drawingml/2006/main" xmlns:r="http://schemas.openxmlformats.org/officeDocument/2006/relationships" xmlns:p="http://schemas.openxmlformats.org/presentationml/2006/main">
+  <p:cSld>
+    <p:spTree>
+      <p:nvGrpSpPr>
+        <p:cNvPr id="1" name=""/>
+        <p:cNvGrpSpPr/>
+        <p:nvPr/>
+      </p:nvGrpSpPr>
+      <p:grpSpPr>
+        <a:xfrm>
+          <a:off x="0" y="0"/>
+          <a:ext cx="0" cy="0"/>
+          <a:chOff x="0" y="0"/>
+          <a:chExt cx="0" cy="0"/>
+        </a:xfrm>
+      </p:grpSpPr>
+      <p:sp>
+        <p:nvSpPr>
+          <p:cNvPr id="2" name="Title 1">
+            <a:extLst>
+              <a:ext uri="{FF2B5EF4-FFF2-40B4-BE49-F238E27FC236}">
+                <a16:creationId xmlns:a16="http://schemas.microsoft.com/office/drawing/2014/main" id="{76B353E7-8807-4BFF-BE63-C9F53EDEDA00}"/>
+              </a:ext>
+            </a:extLst>
+          </p:cNvPr>
+          <p:cNvSpPr>
+            <a:spLocks noGrp="1"/>
+          </p:cNvSpPr>
+          <p:nvPr>
+            <p:ph type="title"/>
+          </p:nvPr>
+        </p:nvSpPr>
+        <p:spPr/>
+        <p:txBody>
+          <a:bodyPr/>
+          <a:lstStyle/>
+          <a:p>
+            <a:r>
+              <a:rPr lang="tr-TR" dirty="0" err="1"/>
+              <a:t>Bınd</a:t>
+            </a:r>
+            <a:r>
+              <a:rPr lang="tr-TR" dirty="0"/>
+              <a:t>()</a:t>
+            </a:r>
+          </a:p>
+        </p:txBody>
+      </p:sp>
+      <p:sp>
+        <p:nvSpPr>
+          <p:cNvPr id="3" name="Content Placeholder 2">
+            <a:extLst>
+              <a:ext uri="{FF2B5EF4-FFF2-40B4-BE49-F238E27FC236}">
+                <a16:creationId xmlns:a16="http://schemas.microsoft.com/office/drawing/2014/main" id="{79DA5C0C-3886-4EDE-AC32-E19A73B16DD5}"/>
+              </a:ext>
+            </a:extLst>
+          </p:cNvPr>
+          <p:cNvSpPr>
+            <a:spLocks noGrp="1"/>
+          </p:cNvSpPr>
+          <p:nvPr>
+            <p:ph idx="1"/>
+          </p:nvPr>
+        </p:nvSpPr>
+        <p:spPr/>
+        <p:txBody>
+          <a:bodyPr/>
+          <a:lstStyle/>
+          <a:p>
+            <a:pPr marL="0" indent="0">
+              <a:buNone/>
+            </a:pPr>
+            <a:r>
+              <a:rPr lang="tr-TR" dirty="0" err="1"/>
+              <a:t>bind</a:t>
+            </a:r>
+            <a:r>
+              <a:rPr lang="tr-TR" dirty="0"/>
+              <a:t>() metodunda ise, asıl metot içerisinde yer alan </a:t>
+            </a:r>
+            <a:r>
+              <a:rPr lang="tr-TR" dirty="0" err="1"/>
+              <a:t>this</a:t>
+            </a:r>
+            <a:r>
+              <a:rPr lang="tr-TR" dirty="0"/>
+              <a:t> olarak verilmiş değişkenin dışarıdan başka bir objenin değişkenine atanması işlemidir.  Bir sonraki sayfada örnek ve açıklaması yer almaktadır.</a:t>
+            </a:r>
+          </a:p>
+        </p:txBody>
+      </p:sp>
+    </p:spTree>
+    <p:extLst>
+      <p:ext uri="{BB962C8B-B14F-4D97-AF65-F5344CB8AC3E}">
+        <p14:creationId xmlns:p14="http://schemas.microsoft.com/office/powerpoint/2010/main" val="35139191"/>
+      </p:ext>
+    </p:extLst>
+  </p:cSld>
+  <p:clrMapOvr>
+    <a:masterClrMapping/>
+  </p:clrMapOvr>
+</p:sld>
+</file>
+
+<file path=ppt/slides/slide84.xml><?xml version="1.0" encoding="utf-8"?>
+<p:sld xmlns:a="http://schemas.openxmlformats.org/drawingml/2006/main" xmlns:r="http://schemas.openxmlformats.org/officeDocument/2006/relationships" xmlns:p="http://schemas.openxmlformats.org/presentationml/2006/main">
+  <p:cSld>
+    <p:spTree>
+      <p:nvGrpSpPr>
+        <p:cNvPr id="1" name=""/>
+        <p:cNvGrpSpPr/>
+        <p:nvPr/>
+      </p:nvGrpSpPr>
+      <p:grpSpPr>
+        <a:xfrm>
+          <a:off x="0" y="0"/>
+          <a:ext cx="0" cy="0"/>
+          <a:chOff x="0" y="0"/>
+          <a:chExt cx="0" cy="0"/>
+        </a:xfrm>
+      </p:grpSpPr>
+      <p:sp>
+        <p:nvSpPr>
+          <p:cNvPr id="2" name="Title 1">
+            <a:extLst>
+              <a:ext uri="{FF2B5EF4-FFF2-40B4-BE49-F238E27FC236}">
+                <a16:creationId xmlns:a16="http://schemas.microsoft.com/office/drawing/2014/main" id="{2B851A90-2C89-4FD1-B6E2-C5396839BFEE}"/>
+              </a:ext>
+            </a:extLst>
+          </p:cNvPr>
+          <p:cNvSpPr>
+            <a:spLocks noGrp="1"/>
+          </p:cNvSpPr>
+          <p:nvPr>
+            <p:ph type="title"/>
+          </p:nvPr>
+        </p:nvSpPr>
+        <p:spPr/>
+        <p:txBody>
+          <a:bodyPr/>
+          <a:lstStyle/>
+          <a:p>
+            <a:r>
+              <a:rPr lang="tr-TR" dirty="0" err="1"/>
+              <a:t>Bınd</a:t>
+            </a:r>
+            <a:r>
+              <a:rPr lang="tr-TR" dirty="0"/>
+              <a:t>()</a:t>
+            </a:r>
+          </a:p>
+        </p:txBody>
+      </p:sp>
+      <p:sp>
+        <p:nvSpPr>
+          <p:cNvPr id="3" name="Content Placeholder 2">
+            <a:extLst>
+              <a:ext uri="{FF2B5EF4-FFF2-40B4-BE49-F238E27FC236}">
+                <a16:creationId xmlns:a16="http://schemas.microsoft.com/office/drawing/2014/main" id="{EB98B0AD-BB37-40C8-B445-A592B9747171}"/>
+              </a:ext>
+            </a:extLst>
+          </p:cNvPr>
+          <p:cNvSpPr>
+            <a:spLocks noGrp="1"/>
+          </p:cNvSpPr>
+          <p:nvPr>
+            <p:ph idx="1"/>
+          </p:nvPr>
+        </p:nvSpPr>
+        <p:spPr/>
+        <p:txBody>
+          <a:bodyPr/>
+          <a:lstStyle/>
+          <a:p>
+            <a:endParaRPr lang="tr-TR" dirty="0"/>
+          </a:p>
+          <a:p>
+            <a:endParaRPr lang="tr-TR" dirty="0"/>
+          </a:p>
+          <a:p>
+            <a:endParaRPr lang="tr-TR" dirty="0"/>
+          </a:p>
+          <a:p>
+            <a:endParaRPr lang="tr-TR" dirty="0"/>
+          </a:p>
+          <a:p>
+            <a:endParaRPr lang="tr-TR" dirty="0"/>
+          </a:p>
+          <a:p>
+            <a:pPr marL="0" indent="0">
+              <a:buNone/>
+            </a:pPr>
+            <a:r>
+              <a:rPr lang="tr-TR" dirty="0"/>
+              <a:t>Yukarıdaki örnekte </a:t>
+            </a:r>
+            <a:r>
+              <a:rPr lang="tr-TR" dirty="0" err="1"/>
+              <a:t>checkNumbericRange</a:t>
+            </a:r>
+            <a:r>
+              <a:rPr lang="tr-TR" dirty="0"/>
+              <a:t> değişkenine atanan fonksiyon içerisindeki </a:t>
+            </a:r>
+            <a:r>
+              <a:rPr lang="tr-TR" dirty="0" err="1"/>
+              <a:t>this.minimum</a:t>
+            </a:r>
+            <a:r>
+              <a:rPr lang="tr-TR" dirty="0"/>
+              <a:t> ve </a:t>
+            </a:r>
+            <a:r>
+              <a:rPr lang="tr-TR" dirty="0" err="1"/>
+              <a:t>this.maximum</a:t>
+            </a:r>
+            <a:r>
+              <a:rPr lang="tr-TR" dirty="0"/>
+              <a:t> değerleri </a:t>
+            </a:r>
+            <a:r>
+              <a:rPr lang="tr-TR" dirty="0" err="1"/>
+              <a:t>range</a:t>
+            </a:r>
+            <a:r>
+              <a:rPr lang="tr-TR" dirty="0"/>
+              <a:t> objesinin </a:t>
+            </a:r>
+            <a:r>
+              <a:rPr lang="tr-TR" dirty="0" err="1"/>
+              <a:t>maximum</a:t>
+            </a:r>
+            <a:r>
+              <a:rPr lang="tr-TR" dirty="0"/>
+              <a:t> ve minimum değerleri atanmıştır. Bu atama 969. satırda gerçekleşmiştir.</a:t>
+            </a:r>
+          </a:p>
+        </p:txBody>
+      </p:sp>
+      <p:pic>
+        <p:nvPicPr>
+          <p:cNvPr id="4" name="Picture 3">
+            <a:extLst>
+              <a:ext uri="{FF2B5EF4-FFF2-40B4-BE49-F238E27FC236}">
+                <a16:creationId xmlns:a16="http://schemas.microsoft.com/office/drawing/2014/main" id="{4A707B32-1FC9-4175-B2BE-FDDC1F307D35}"/>
+              </a:ext>
+            </a:extLst>
+          </p:cNvPr>
+          <p:cNvPicPr>
+            <a:picLocks noChangeAspect="1"/>
+          </p:cNvPicPr>
+          <p:nvPr/>
+        </p:nvPicPr>
+        <p:blipFill>
+          <a:blip r:embed="rId2"/>
+          <a:stretch>
+            <a:fillRect/>
+          </a:stretch>
+        </p:blipFill>
+        <p:spPr>
+          <a:xfrm>
+            <a:off x="959708" y="2316409"/>
+            <a:ext cx="10272584" cy="2322276"/>
+          </a:xfrm>
+          <a:prstGeom prst="rect">
+            <a:avLst/>
+          </a:prstGeom>
+        </p:spPr>
+      </p:pic>
+    </p:spTree>
+    <p:extLst>
+      <p:ext uri="{BB962C8B-B14F-4D97-AF65-F5344CB8AC3E}">
+        <p14:creationId xmlns:p14="http://schemas.microsoft.com/office/powerpoint/2010/main" val="2172424428"/>
+      </p:ext>
+    </p:extLst>
+  </p:cSld>
+  <p:clrMapOvr>
+    <a:masterClrMapping/>
+  </p:clrMapOvr>
+</p:sld>
+</file>
+
 <file path=ppt/slides/slide9.xml><?xml version="1.0" encoding="utf-8"?>
 <p:sld xmlns:a="http://schemas.openxmlformats.org/drawingml/2006/main" xmlns:r="http://schemas.openxmlformats.org/officeDocument/2006/relationships" xmlns:p="http://schemas.openxmlformats.org/presentationml/2006/main">
   <p:cSld>
